--- a/Images.pptx
+++ b/Images.pptx
@@ -4205,7 +4205,7 @@
         </p:nvSpPr>
         <p:spPr>
           <a:xfrm>
-            <a:off x="495178" y="6273010"/>
+            <a:off x="-645622" y="6273010"/>
             <a:ext cx="4187773" cy="369332"/>
           </a:xfrm>
           <a:prstGeom prst="rect">
@@ -4239,7 +4239,7 @@
         <p:spPr>
           <a:xfrm>
             <a:off x="537342" y="1001301"/>
-            <a:ext cx="1887595" cy="4111189"/>
+            <a:ext cx="1887595" cy="2718709"/>
           </a:xfrm>
           <a:prstGeom prst="rect">
             <a:avLst/>
@@ -4285,7 +4285,7 @@
         </p:nvSpPr>
         <p:spPr>
           <a:xfrm>
-            <a:off x="781609" y="5313955"/>
+            <a:off x="877700" y="3756221"/>
             <a:ext cx="1390249" cy="369332"/>
           </a:xfrm>
           <a:prstGeom prst="rect">
@@ -4561,19 +4561,149 @@
           </a:p>
         </p:txBody>
       </p:sp>
+      <p:sp>
+        <p:nvSpPr>
+          <p:cNvPr id="16" name="TextBox 15"/>
+          <p:cNvSpPr txBox="1"/>
+          <p:nvPr/>
+        </p:nvSpPr>
+        <p:spPr>
+          <a:xfrm>
+            <a:off x="3542151" y="448805"/>
+            <a:ext cx="2137827" cy="369332"/>
+          </a:xfrm>
+          <a:prstGeom prst="rect">
+            <a:avLst/>
+          </a:prstGeom>
+          <a:noFill/>
+        </p:spPr>
+        <p:txBody>
+          <a:bodyPr wrap="square" rtlCol="0">
+            <a:spAutoFit/>
+          </a:bodyPr>
+          <a:lstStyle/>
+          <a:p>
+            <a:r>
+              <a:rPr lang="en-US" i="1" dirty="0" smtClean="0">
+                <a:latin typeface="Times"/>
+                <a:cs typeface="Times"/>
+              </a:rPr>
+              <a:t>Guest Instructions</a:t>
+            </a:r>
+            <a:endParaRPr lang="en-US" i="1" dirty="0">
+              <a:latin typeface="Times"/>
+              <a:cs typeface="Times"/>
+            </a:endParaRPr>
+          </a:p>
+        </p:txBody>
+      </p:sp>
+      <p:sp>
+        <p:nvSpPr>
+          <p:cNvPr id="17" name="Oval 16"/>
+          <p:cNvSpPr/>
+          <p:nvPr/>
+        </p:nvSpPr>
+        <p:spPr>
+          <a:xfrm>
+            <a:off x="3700326" y="1077792"/>
+            <a:ext cx="3291524" cy="4817702"/>
+          </a:xfrm>
+          <a:prstGeom prst="ellipse">
+            <a:avLst/>
+          </a:prstGeom>
+          <a:noFill/>
+          <a:ln>
+            <a:solidFill>
+              <a:srgbClr val="000000"/>
+            </a:solidFill>
+          </a:ln>
+        </p:spPr>
+        <p:style>
+          <a:lnRef idx="1">
+            <a:schemeClr val="accent1"/>
+          </a:lnRef>
+          <a:fillRef idx="3">
+            <a:schemeClr val="accent1"/>
+          </a:fillRef>
+          <a:effectRef idx="2">
+            <a:schemeClr val="accent1"/>
+          </a:effectRef>
+          <a:fontRef idx="minor">
+            <a:schemeClr val="lt1"/>
+          </a:fontRef>
+        </p:style>
+        <p:txBody>
+          <a:bodyPr rtlCol="0" anchor="ctr"/>
+          <a:lstStyle/>
+          <a:p>
+            <a:pPr algn="ctr"/>
+            <a:endParaRPr lang="en-US">
+              <a:latin typeface="Times"/>
+              <a:cs typeface="Times"/>
+            </a:endParaRPr>
+          </a:p>
+        </p:txBody>
+      </p:sp>
+      <p:sp>
+        <p:nvSpPr>
+          <p:cNvPr id="18" name="TextBox 17"/>
+          <p:cNvSpPr txBox="1"/>
+          <p:nvPr/>
+        </p:nvSpPr>
+        <p:spPr>
+          <a:xfrm>
+            <a:off x="4211665" y="1793479"/>
+            <a:ext cx="2353042" cy="646331"/>
+          </a:xfrm>
+          <a:prstGeom prst="rect">
+            <a:avLst/>
+          </a:prstGeom>
+          <a:noFill/>
+        </p:spPr>
+        <p:txBody>
+          <a:bodyPr wrap="square" rtlCol="0">
+            <a:spAutoFit/>
+          </a:bodyPr>
+          <a:lstStyle/>
+          <a:p>
+            <a:pPr algn="ctr"/>
+            <a:r>
+              <a:rPr lang="en-US" dirty="0" smtClean="0">
+                <a:latin typeface="Times"/>
+                <a:cs typeface="Times"/>
+              </a:rPr>
+              <a:t>Instruction</a:t>
+            </a:r>
+          </a:p>
+          <a:p>
+            <a:pPr algn="ctr"/>
+            <a:r>
+              <a:rPr lang="en-US" dirty="0" smtClean="0">
+                <a:latin typeface="Times"/>
+                <a:cs typeface="Times"/>
+              </a:rPr>
+              <a:t>Analyzer</a:t>
+            </a:r>
+            <a:endParaRPr lang="en-US" dirty="0">
+              <a:latin typeface="Times"/>
+              <a:cs typeface="Times"/>
+            </a:endParaRPr>
+          </a:p>
+        </p:txBody>
+      </p:sp>
       <p:cxnSp>
         <p:nvCxnSpPr>
-          <p:cNvPr id="15" name="Straight Arrow Connector 20"/>
+          <p:cNvPr id="24" name="Straight Arrow Connector 78"/>
           <p:cNvCxnSpPr>
-            <a:stCxn id="13" idx="3"/>
-            <a:endCxn id="16" idx="1"/>
+            <a:stCxn id="75" idx="3"/>
+            <a:endCxn id="25" idx="2"/>
           </p:cNvCxnSpPr>
           <p:nvPr/>
         </p:nvCxnSpPr>
         <p:spPr>
-          <a:xfrm>
-            <a:off x="1945800" y="1390551"/>
-            <a:ext cx="1509846" cy="280853"/>
+          <a:xfrm flipV="1">
+            <a:off x="8937229" y="3546044"/>
+            <a:ext cx="886914" cy="210177"/>
           </a:xfrm>
           <a:prstGeom prst="curvedConnector3">
             <a:avLst>
@@ -4604,429 +4734,13 @@
       </p:cxnSp>
       <p:sp>
         <p:nvSpPr>
-          <p:cNvPr id="16" name="TextBox 15"/>
-          <p:cNvSpPr txBox="1"/>
-          <p:nvPr/>
-        </p:nvSpPr>
-        <p:spPr>
-          <a:xfrm>
-            <a:off x="3455646" y="1486738"/>
-            <a:ext cx="2137827" cy="369332"/>
-          </a:xfrm>
-          <a:prstGeom prst="rect">
-            <a:avLst/>
-          </a:prstGeom>
-          <a:noFill/>
-        </p:spPr>
-        <p:txBody>
-          <a:bodyPr wrap="square" rtlCol="0">
-            <a:spAutoFit/>
-          </a:bodyPr>
-          <a:lstStyle/>
-          <a:p>
-            <a:r>
-              <a:rPr lang="en-US" dirty="0" smtClean="0">
-                <a:latin typeface="Times"/>
-                <a:cs typeface="Times"/>
-              </a:rPr>
-              <a:t>Guest Instructions</a:t>
-            </a:r>
-            <a:endParaRPr lang="en-US" dirty="0">
-              <a:latin typeface="Times"/>
-              <a:cs typeface="Times"/>
-            </a:endParaRPr>
-          </a:p>
-        </p:txBody>
-      </p:sp>
-      <p:sp>
-        <p:nvSpPr>
-          <p:cNvPr id="17" name="Oval 16"/>
-          <p:cNvSpPr/>
-          <p:nvPr/>
-        </p:nvSpPr>
-        <p:spPr>
-          <a:xfrm>
-            <a:off x="6350078" y="865585"/>
-            <a:ext cx="2836727" cy="4817702"/>
-          </a:xfrm>
-          <a:prstGeom prst="ellipse">
-            <a:avLst/>
-          </a:prstGeom>
-          <a:noFill/>
-          <a:ln>
-            <a:solidFill>
-              <a:srgbClr val="000000"/>
-            </a:solidFill>
-          </a:ln>
-        </p:spPr>
-        <p:style>
-          <a:lnRef idx="1">
-            <a:schemeClr val="accent1"/>
-          </a:lnRef>
-          <a:fillRef idx="3">
-            <a:schemeClr val="accent1"/>
-          </a:fillRef>
-          <a:effectRef idx="2">
-            <a:schemeClr val="accent1"/>
-          </a:effectRef>
-          <a:fontRef idx="minor">
-            <a:schemeClr val="lt1"/>
-          </a:fontRef>
-        </p:style>
-        <p:txBody>
-          <a:bodyPr rtlCol="0" anchor="ctr"/>
-          <a:lstStyle/>
-          <a:p>
-            <a:pPr algn="ctr"/>
-            <a:endParaRPr lang="en-US">
-              <a:latin typeface="Times"/>
-              <a:cs typeface="Times"/>
-            </a:endParaRPr>
-          </a:p>
-        </p:txBody>
-      </p:sp>
-      <p:sp>
-        <p:nvSpPr>
-          <p:cNvPr id="18" name="TextBox 17"/>
-          <p:cNvSpPr txBox="1"/>
-          <p:nvPr/>
-        </p:nvSpPr>
-        <p:spPr>
-          <a:xfrm>
-            <a:off x="6602175" y="2122356"/>
-            <a:ext cx="2353042" cy="646331"/>
-          </a:xfrm>
-          <a:prstGeom prst="rect">
-            <a:avLst/>
-          </a:prstGeom>
-          <a:noFill/>
-        </p:spPr>
-        <p:txBody>
-          <a:bodyPr wrap="square" rtlCol="0">
-            <a:spAutoFit/>
-          </a:bodyPr>
-          <a:lstStyle/>
-          <a:p>
-            <a:pPr algn="ctr"/>
-            <a:r>
-              <a:rPr lang="en-US" dirty="0" smtClean="0">
-                <a:latin typeface="Times"/>
-                <a:cs typeface="Times"/>
-              </a:rPr>
-              <a:t>Instruction</a:t>
-            </a:r>
-          </a:p>
-          <a:p>
-            <a:pPr algn="ctr"/>
-            <a:r>
-              <a:rPr lang="en-US" dirty="0" smtClean="0">
-                <a:latin typeface="Times"/>
-                <a:cs typeface="Times"/>
-              </a:rPr>
-              <a:t>Analyzer</a:t>
-            </a:r>
-            <a:endParaRPr lang="en-US" dirty="0">
-              <a:latin typeface="Times"/>
-              <a:cs typeface="Times"/>
-            </a:endParaRPr>
-          </a:p>
-        </p:txBody>
-      </p:sp>
-      <p:cxnSp>
-        <p:nvCxnSpPr>
-          <p:cNvPr id="19" name="Straight Arrow Connector 31"/>
-          <p:cNvCxnSpPr/>
-          <p:nvPr/>
-        </p:nvCxnSpPr>
-        <p:spPr>
-          <a:xfrm>
-            <a:off x="5333624" y="1690906"/>
-            <a:ext cx="1016454" cy="862899"/>
-          </a:xfrm>
-          <a:prstGeom prst="curvedConnector3">
-            <a:avLst>
-              <a:gd name="adj1" fmla="val 50000"/>
-            </a:avLst>
-          </a:prstGeom>
-          <a:ln>
-            <a:solidFill>
-              <a:srgbClr val="000000"/>
-            </a:solidFill>
-            <a:tailEnd type="arrow"/>
-          </a:ln>
-        </p:spPr>
-        <p:style>
-          <a:lnRef idx="2">
-            <a:schemeClr val="accent1"/>
-          </a:lnRef>
-          <a:fillRef idx="0">
-            <a:schemeClr val="accent1"/>
-          </a:fillRef>
-          <a:effectRef idx="1">
-            <a:schemeClr val="accent1"/>
-          </a:effectRef>
-          <a:fontRef idx="minor">
-            <a:schemeClr val="tx1"/>
-          </a:fontRef>
-        </p:style>
-      </p:cxnSp>
-      <p:sp>
-        <p:nvSpPr>
-          <p:cNvPr id="20" name="Rectangle 19"/>
-          <p:cNvSpPr/>
-          <p:nvPr/>
-        </p:nvSpPr>
-        <p:spPr>
-          <a:xfrm>
-            <a:off x="6904021" y="3723535"/>
-            <a:ext cx="1343871" cy="731095"/>
-          </a:xfrm>
-          <a:prstGeom prst="rect">
-            <a:avLst/>
-          </a:prstGeom>
-          <a:noFill/>
-          <a:ln>
-            <a:solidFill>
-              <a:srgbClr val="000000"/>
-            </a:solidFill>
-          </a:ln>
-        </p:spPr>
-        <p:style>
-          <a:lnRef idx="1">
-            <a:schemeClr val="accent1"/>
-          </a:lnRef>
-          <a:fillRef idx="3">
-            <a:schemeClr val="accent1"/>
-          </a:fillRef>
-          <a:effectRef idx="2">
-            <a:schemeClr val="accent1"/>
-          </a:effectRef>
-          <a:fontRef idx="minor">
-            <a:schemeClr val="lt1"/>
-          </a:fontRef>
-        </p:style>
-        <p:txBody>
-          <a:bodyPr rtlCol="0" anchor="ctr"/>
-          <a:lstStyle/>
-          <a:p>
-            <a:pPr algn="ctr"/>
-            <a:r>
-              <a:rPr lang="en-US" dirty="0">
-                <a:solidFill>
-                  <a:schemeClr val="tx1"/>
-                </a:solidFill>
-                <a:latin typeface="Times"/>
-                <a:cs typeface="Times"/>
-              </a:rPr>
-              <a:t>t</a:t>
-            </a:r>
-            <a:r>
-              <a:rPr lang="en-US" dirty="0" smtClean="0">
-                <a:solidFill>
-                  <a:schemeClr val="tx1"/>
-                </a:solidFill>
-                <a:latin typeface="Times"/>
-                <a:cs typeface="Times"/>
-              </a:rPr>
-              <a:t>hing</a:t>
-            </a:r>
-            <a:endParaRPr lang="en-US" dirty="0">
-              <a:solidFill>
-                <a:schemeClr val="tx1"/>
-              </a:solidFill>
-              <a:latin typeface="Times"/>
-              <a:cs typeface="Times"/>
-            </a:endParaRPr>
-          </a:p>
-        </p:txBody>
-      </p:sp>
-      <p:cxnSp>
-        <p:nvCxnSpPr>
-          <p:cNvPr id="21" name="Straight Arrow Connector 78"/>
-          <p:cNvCxnSpPr>
-            <a:stCxn id="20" idx="3"/>
-            <a:endCxn id="23" idx="2"/>
-          </p:cNvCxnSpPr>
-          <p:nvPr/>
-        </p:nvCxnSpPr>
-        <p:spPr>
-          <a:xfrm flipV="1">
-            <a:off x="8247892" y="3362974"/>
-            <a:ext cx="1829526" cy="726109"/>
-          </a:xfrm>
-          <a:prstGeom prst="curvedConnector3">
-            <a:avLst>
-              <a:gd name="adj1" fmla="val 50000"/>
-            </a:avLst>
-          </a:prstGeom>
-          <a:ln>
-            <a:solidFill>
-              <a:srgbClr val="000000"/>
-            </a:solidFill>
-            <a:tailEnd type="arrow"/>
-          </a:ln>
-        </p:spPr>
-        <p:style>
-          <a:lnRef idx="2">
-            <a:schemeClr val="accent1"/>
-          </a:lnRef>
-          <a:fillRef idx="0">
-            <a:schemeClr val="accent1"/>
-          </a:fillRef>
-          <a:effectRef idx="1">
-            <a:schemeClr val="accent1"/>
-          </a:effectRef>
-          <a:fontRef idx="minor">
-            <a:schemeClr val="tx1"/>
-          </a:fontRef>
-        </p:style>
-      </p:cxnSp>
-      <p:cxnSp>
-        <p:nvCxnSpPr>
-          <p:cNvPr id="22" name="Straight Arrow Connector 78"/>
-          <p:cNvCxnSpPr/>
-          <p:nvPr/>
-        </p:nvCxnSpPr>
-        <p:spPr>
-          <a:xfrm>
-            <a:off x="6350078" y="2553805"/>
-            <a:ext cx="553943" cy="1535276"/>
-          </a:xfrm>
-          <a:prstGeom prst="straightConnector1">
-            <a:avLst/>
-          </a:prstGeom>
-          <a:ln>
-            <a:solidFill>
-              <a:srgbClr val="000000"/>
-            </a:solidFill>
-            <a:tailEnd type="arrow"/>
-          </a:ln>
-        </p:spPr>
-        <p:style>
-          <a:lnRef idx="2">
-            <a:schemeClr val="accent1"/>
-          </a:lnRef>
-          <a:fillRef idx="0">
-            <a:schemeClr val="accent1"/>
-          </a:fillRef>
-          <a:effectRef idx="1">
-            <a:schemeClr val="accent1"/>
-          </a:effectRef>
-          <a:fontRef idx="minor">
-            <a:schemeClr val="tx1"/>
-          </a:fontRef>
-        </p:style>
-      </p:cxnSp>
-      <p:sp>
-        <p:nvSpPr>
-          <p:cNvPr id="23" name="Oval 22"/>
-          <p:cNvSpPr/>
-          <p:nvPr/>
-        </p:nvSpPr>
-        <p:spPr>
-          <a:xfrm>
-            <a:off x="10077418" y="2768687"/>
-            <a:ext cx="2234308" cy="1188573"/>
-          </a:xfrm>
-          <a:prstGeom prst="ellipse">
-            <a:avLst/>
-          </a:prstGeom>
-          <a:noFill/>
-          <a:ln>
-            <a:solidFill>
-              <a:srgbClr val="000000"/>
-            </a:solidFill>
-          </a:ln>
-        </p:spPr>
-        <p:style>
-          <a:lnRef idx="1">
-            <a:schemeClr val="accent1"/>
-          </a:lnRef>
-          <a:fillRef idx="3">
-            <a:schemeClr val="accent1"/>
-          </a:fillRef>
-          <a:effectRef idx="2">
-            <a:schemeClr val="accent1"/>
-          </a:effectRef>
-          <a:fontRef idx="minor">
-            <a:schemeClr val="lt1"/>
-          </a:fontRef>
-        </p:style>
-        <p:txBody>
-          <a:bodyPr rtlCol="0" anchor="ctr"/>
-          <a:lstStyle/>
-          <a:p>
-            <a:pPr algn="ctr"/>
-            <a:r>
-              <a:rPr lang="en-US" dirty="0" smtClean="0">
-                <a:solidFill>
-                  <a:srgbClr val="000000"/>
-                </a:solidFill>
-                <a:latin typeface="Times"/>
-                <a:cs typeface="Times"/>
-              </a:rPr>
-              <a:t>TCG Ops</a:t>
-            </a:r>
-            <a:endParaRPr lang="en-US" dirty="0">
-              <a:solidFill>
-                <a:srgbClr val="000000"/>
-              </a:solidFill>
-              <a:latin typeface="Times"/>
-              <a:cs typeface="Times"/>
-            </a:endParaRPr>
-          </a:p>
-        </p:txBody>
-      </p:sp>
-      <p:cxnSp>
-        <p:nvCxnSpPr>
-          <p:cNvPr id="24" name="Straight Arrow Connector 78"/>
-          <p:cNvCxnSpPr>
-            <a:stCxn id="23" idx="6"/>
-            <a:endCxn id="25" idx="2"/>
-          </p:cNvCxnSpPr>
-          <p:nvPr/>
-        </p:nvCxnSpPr>
-        <p:spPr>
-          <a:xfrm flipV="1">
-            <a:off x="12311726" y="3209205"/>
-            <a:ext cx="382546" cy="153769"/>
-          </a:xfrm>
-          <a:prstGeom prst="curvedConnector3">
-            <a:avLst>
-              <a:gd name="adj1" fmla="val 50000"/>
-            </a:avLst>
-          </a:prstGeom>
-          <a:ln>
-            <a:solidFill>
-              <a:srgbClr val="000000"/>
-            </a:solidFill>
-            <a:tailEnd type="arrow"/>
-          </a:ln>
-        </p:spPr>
-        <p:style>
-          <a:lnRef idx="2">
-            <a:schemeClr val="accent1"/>
-          </a:lnRef>
-          <a:fillRef idx="0">
-            <a:schemeClr val="accent1"/>
-          </a:fillRef>
-          <a:effectRef idx="1">
-            <a:schemeClr val="accent1"/>
-          </a:effectRef>
-          <a:fontRef idx="minor">
-            <a:schemeClr val="tx1"/>
-          </a:fontRef>
-        </p:style>
-      </p:cxnSp>
-      <p:sp>
-        <p:nvSpPr>
           <p:cNvPr id="25" name="Oval 24"/>
           <p:cNvSpPr/>
           <p:nvPr/>
         </p:nvSpPr>
         <p:spPr>
           <a:xfrm>
-            <a:off x="12694272" y="2329327"/>
+            <a:off x="9824143" y="2666166"/>
             <a:ext cx="3527854" cy="1759756"/>
           </a:xfrm>
           <a:prstGeom prst="ellipse">
@@ -5068,7 +4782,17 @@
                 <a:latin typeface="Times"/>
                 <a:cs typeface="Times"/>
               </a:rPr>
-              <a:t>Backend Translator</a:t>
+              <a:t>QEMU Backend </a:t>
+            </a:r>
+            <a:r>
+              <a:rPr lang="en-US" dirty="0" smtClean="0">
+                <a:solidFill>
+                  <a:srgbClr val="000000"/>
+                </a:solidFill>
+                <a:latin typeface="Times"/>
+                <a:cs typeface="Times"/>
+              </a:rPr>
+              <a:t>Translator</a:t>
             </a:r>
             <a:endParaRPr lang="en-US" dirty="0">
               <a:solidFill>
@@ -5090,9 +4814,9 @@
           <p:nvPr/>
         </p:nvCxnSpPr>
         <p:spPr>
-          <a:xfrm>
-            <a:off x="16222126" y="3209205"/>
-            <a:ext cx="140306" cy="514330"/>
+          <a:xfrm flipV="1">
+            <a:off x="13351997" y="1486738"/>
+            <a:ext cx="588053" cy="2059306"/>
           </a:xfrm>
           <a:prstGeom prst="curvedConnector3">
             <a:avLst>
@@ -5129,8 +4853,8 @@
         </p:nvSpPr>
         <p:spPr>
           <a:xfrm>
-            <a:off x="16362432" y="3538869"/>
-            <a:ext cx="1778289" cy="369332"/>
+            <a:off x="13940050" y="1302072"/>
+            <a:ext cx="2319433" cy="369332"/>
           </a:xfrm>
           <a:prstGeom prst="rect">
             <a:avLst/>
@@ -5138,22 +4862,668 @@
           <a:noFill/>
         </p:spPr>
         <p:txBody>
-          <a:bodyPr wrap="none" rtlCol="0">
+          <a:bodyPr wrap="square" rtlCol="0">
             <a:spAutoFit/>
           </a:bodyPr>
           <a:lstStyle/>
           <a:p>
             <a:r>
-              <a:rPr lang="en-US" dirty="0" smtClean="0">
+              <a:rPr lang="en-US" i="1" dirty="0" smtClean="0">
                 <a:latin typeface="Times"/>
                 <a:cs typeface="Times"/>
               </a:rPr>
-              <a:t>Host Instructions</a:t>
-            </a:r>
-            <a:endParaRPr lang="en-US" dirty="0">
+              <a:t>Host </a:t>
+            </a:r>
+            <a:r>
+              <a:rPr lang="en-US" i="1" dirty="0" smtClean="0">
+                <a:latin typeface="Times"/>
+                <a:cs typeface="Times"/>
+              </a:rPr>
+              <a:t>Machine Code</a:t>
+            </a:r>
+            <a:endParaRPr lang="en-US" i="1" dirty="0">
               <a:latin typeface="Times"/>
               <a:cs typeface="Times"/>
             </a:endParaRPr>
+          </a:p>
+        </p:txBody>
+      </p:sp>
+      <p:cxnSp>
+        <p:nvCxnSpPr>
+          <p:cNvPr id="38" name="Straight Arrow Connector 37"/>
+          <p:cNvCxnSpPr>
+            <a:endCxn id="96" idx="2"/>
+          </p:cNvCxnSpPr>
+          <p:nvPr/>
+        </p:nvCxnSpPr>
+        <p:spPr>
+          <a:xfrm flipV="1">
+            <a:off x="4070551" y="3220373"/>
+            <a:ext cx="540514" cy="334339"/>
+          </a:xfrm>
+          <a:prstGeom prst="straightConnector1">
+            <a:avLst/>
+          </a:prstGeom>
+          <a:ln>
+            <a:solidFill>
+              <a:schemeClr val="tx1"/>
+            </a:solidFill>
+            <a:tailEnd type="arrow"/>
+          </a:ln>
+        </p:spPr>
+        <p:style>
+          <a:lnRef idx="2">
+            <a:schemeClr val="accent1"/>
+          </a:lnRef>
+          <a:fillRef idx="0">
+            <a:schemeClr val="accent1"/>
+          </a:fillRef>
+          <a:effectRef idx="1">
+            <a:schemeClr val="accent1"/>
+          </a:effectRef>
+          <a:fontRef idx="minor">
+            <a:schemeClr val="tx1"/>
+          </a:fontRef>
+        </p:style>
+      </p:cxnSp>
+      <p:cxnSp>
+        <p:nvCxnSpPr>
+          <p:cNvPr id="47" name="Straight Arrow Connector 46"/>
+          <p:cNvCxnSpPr>
+            <a:endCxn id="102" idx="2"/>
+          </p:cNvCxnSpPr>
+          <p:nvPr/>
+        </p:nvCxnSpPr>
+        <p:spPr>
+          <a:xfrm>
+            <a:off x="4070551" y="3575181"/>
+            <a:ext cx="141114" cy="906542"/>
+          </a:xfrm>
+          <a:prstGeom prst="straightConnector1">
+            <a:avLst/>
+          </a:prstGeom>
+          <a:ln>
+            <a:solidFill>
+              <a:schemeClr val="tx1"/>
+            </a:solidFill>
+            <a:tailEnd type="arrow"/>
+          </a:ln>
+        </p:spPr>
+        <p:style>
+          <a:lnRef idx="2">
+            <a:schemeClr val="accent1"/>
+          </a:lnRef>
+          <a:fillRef idx="0">
+            <a:schemeClr val="accent1"/>
+          </a:fillRef>
+          <a:effectRef idx="1">
+            <a:schemeClr val="accent1"/>
+          </a:effectRef>
+          <a:fontRef idx="minor">
+            <a:schemeClr val="tx1"/>
+          </a:fontRef>
+        </p:style>
+      </p:cxnSp>
+      <p:cxnSp>
+        <p:nvCxnSpPr>
+          <p:cNvPr id="49" name="Curved Connector 48"/>
+          <p:cNvCxnSpPr>
+            <a:stCxn id="16" idx="2"/>
+          </p:cNvCxnSpPr>
+          <p:nvPr/>
+        </p:nvCxnSpPr>
+        <p:spPr>
+          <a:xfrm rot="5400000">
+            <a:off x="2962286" y="1926402"/>
+            <a:ext cx="2757044" cy="540514"/>
+          </a:xfrm>
+          <a:prstGeom prst="curvedConnector3">
+            <a:avLst>
+              <a:gd name="adj1" fmla="val 50000"/>
+            </a:avLst>
+          </a:prstGeom>
+          <a:ln>
+            <a:solidFill>
+              <a:schemeClr val="tx1"/>
+            </a:solidFill>
+          </a:ln>
+        </p:spPr>
+        <p:style>
+          <a:lnRef idx="2">
+            <a:schemeClr val="accent1"/>
+          </a:lnRef>
+          <a:fillRef idx="0">
+            <a:schemeClr val="accent1"/>
+          </a:fillRef>
+          <a:effectRef idx="1">
+            <a:schemeClr val="accent1"/>
+          </a:effectRef>
+          <a:fontRef idx="minor">
+            <a:schemeClr val="tx1"/>
+          </a:fontRef>
+        </p:style>
+      </p:cxnSp>
+      <p:cxnSp>
+        <p:nvCxnSpPr>
+          <p:cNvPr id="56" name="Straight Arrow Connector 55"/>
+          <p:cNvCxnSpPr>
+            <a:stCxn id="102" idx="6"/>
+            <a:endCxn id="75" idx="1"/>
+          </p:cNvCxnSpPr>
+          <p:nvPr/>
+        </p:nvCxnSpPr>
+        <p:spPr>
+          <a:xfrm flipV="1">
+            <a:off x="6564707" y="3756221"/>
+            <a:ext cx="1353363" cy="725502"/>
+          </a:xfrm>
+          <a:prstGeom prst="straightConnector1">
+            <a:avLst/>
+          </a:prstGeom>
+          <a:ln>
+            <a:solidFill>
+              <a:schemeClr val="tx1"/>
+            </a:solidFill>
+            <a:tailEnd type="arrow"/>
+          </a:ln>
+        </p:spPr>
+        <p:style>
+          <a:lnRef idx="2">
+            <a:schemeClr val="accent1"/>
+          </a:lnRef>
+          <a:fillRef idx="0">
+            <a:schemeClr val="accent1"/>
+          </a:fillRef>
+          <a:effectRef idx="1">
+            <a:schemeClr val="accent1"/>
+          </a:effectRef>
+          <a:fontRef idx="minor">
+            <a:schemeClr val="tx1"/>
+          </a:fontRef>
+        </p:style>
+      </p:cxnSp>
+      <p:cxnSp>
+        <p:nvCxnSpPr>
+          <p:cNvPr id="57" name="Straight Arrow Connector 56"/>
+          <p:cNvCxnSpPr>
+            <a:stCxn id="96" idx="6"/>
+            <a:endCxn id="75" idx="1"/>
+          </p:cNvCxnSpPr>
+          <p:nvPr/>
+        </p:nvCxnSpPr>
+        <p:spPr>
+          <a:xfrm>
+            <a:off x="6299327" y="3220373"/>
+            <a:ext cx="1618743" cy="535848"/>
+          </a:xfrm>
+          <a:prstGeom prst="straightConnector1">
+            <a:avLst/>
+          </a:prstGeom>
+          <a:ln>
+            <a:solidFill>
+              <a:schemeClr val="tx1"/>
+            </a:solidFill>
+            <a:tailEnd type="arrow"/>
+          </a:ln>
+        </p:spPr>
+        <p:style>
+          <a:lnRef idx="2">
+            <a:schemeClr val="accent1"/>
+          </a:lnRef>
+          <a:fillRef idx="0">
+            <a:schemeClr val="accent1"/>
+          </a:fillRef>
+          <a:effectRef idx="1">
+            <a:schemeClr val="accent1"/>
+          </a:effectRef>
+          <a:fontRef idx="minor">
+            <a:schemeClr val="tx1"/>
+          </a:fontRef>
+        </p:style>
+      </p:cxnSp>
+      <p:cxnSp>
+        <p:nvCxnSpPr>
+          <p:cNvPr id="69" name="Straight Connector 68"/>
+          <p:cNvCxnSpPr>
+            <a:stCxn id="16" idx="1"/>
+            <a:endCxn id="12" idx="3"/>
+          </p:cNvCxnSpPr>
+          <p:nvPr/>
+        </p:nvCxnSpPr>
+        <p:spPr>
+          <a:xfrm flipH="1">
+            <a:off x="2589065" y="633471"/>
+            <a:ext cx="953086" cy="476227"/>
+          </a:xfrm>
+          <a:prstGeom prst="line">
+            <a:avLst/>
+          </a:prstGeom>
+          <a:ln>
+            <a:solidFill>
+              <a:schemeClr val="tx1"/>
+            </a:solidFill>
+            <a:prstDash val="sysDash"/>
+          </a:ln>
+        </p:spPr>
+        <p:style>
+          <a:lnRef idx="2">
+            <a:schemeClr val="accent1"/>
+          </a:lnRef>
+          <a:fillRef idx="0">
+            <a:schemeClr val="accent1"/>
+          </a:fillRef>
+          <a:effectRef idx="1">
+            <a:schemeClr val="accent1"/>
+          </a:effectRef>
+          <a:fontRef idx="minor">
+            <a:schemeClr val="tx1"/>
+          </a:fontRef>
+        </p:style>
+      </p:cxnSp>
+      <p:sp>
+        <p:nvSpPr>
+          <p:cNvPr id="75" name="TextBox 74"/>
+          <p:cNvSpPr txBox="1"/>
+          <p:nvPr/>
+        </p:nvSpPr>
+        <p:spPr>
+          <a:xfrm>
+            <a:off x="7918070" y="3571555"/>
+            <a:ext cx="1019159" cy="369332"/>
+          </a:xfrm>
+          <a:prstGeom prst="rect">
+            <a:avLst/>
+          </a:prstGeom>
+          <a:noFill/>
+        </p:spPr>
+        <p:txBody>
+          <a:bodyPr wrap="square" rtlCol="0">
+            <a:spAutoFit/>
+          </a:bodyPr>
+          <a:lstStyle/>
+          <a:p>
+            <a:r>
+              <a:rPr lang="en-US" i="1" dirty="0" smtClean="0"/>
+              <a:t>TCG OPs</a:t>
+            </a:r>
+            <a:endParaRPr lang="en-US" i="1" dirty="0"/>
+          </a:p>
+        </p:txBody>
+      </p:sp>
+      <p:sp>
+        <p:nvSpPr>
+          <p:cNvPr id="96" name="Oval 95"/>
+          <p:cNvSpPr/>
+          <p:nvPr/>
+        </p:nvSpPr>
+        <p:spPr>
+          <a:xfrm>
+            <a:off x="4611065" y="2720735"/>
+            <a:ext cx="1688262" cy="999275"/>
+          </a:xfrm>
+          <a:prstGeom prst="ellipse">
+            <a:avLst/>
+          </a:prstGeom>
+          <a:noFill/>
+          <a:ln>
+            <a:solidFill>
+              <a:schemeClr val="tx1"/>
+            </a:solidFill>
+          </a:ln>
+        </p:spPr>
+        <p:style>
+          <a:lnRef idx="1">
+            <a:schemeClr val="accent1"/>
+          </a:lnRef>
+          <a:fillRef idx="3">
+            <a:schemeClr val="accent1"/>
+          </a:fillRef>
+          <a:effectRef idx="2">
+            <a:schemeClr val="accent1"/>
+          </a:effectRef>
+          <a:fontRef idx="minor">
+            <a:schemeClr val="lt1"/>
+          </a:fontRef>
+        </p:style>
+        <p:txBody>
+          <a:bodyPr rtlCol="0" anchor="ctr"/>
+          <a:lstStyle/>
+          <a:p>
+            <a:pPr algn="ctr"/>
+            <a:r>
+              <a:rPr lang="en-US" dirty="0">
+                <a:solidFill>
+                  <a:schemeClr val="tx1"/>
+                </a:solidFill>
+                <a:latin typeface="Times"/>
+                <a:cs typeface="Times"/>
+              </a:rPr>
+              <a:t>QEMU frontend translator</a:t>
+            </a:r>
+            <a:endParaRPr lang="en-US" dirty="0">
+              <a:solidFill>
+                <a:schemeClr val="tx1"/>
+              </a:solidFill>
+              <a:latin typeface="Times"/>
+              <a:cs typeface="Times"/>
+            </a:endParaRPr>
+          </a:p>
+        </p:txBody>
+      </p:sp>
+      <p:sp>
+        <p:nvSpPr>
+          <p:cNvPr id="102" name="Oval 101"/>
+          <p:cNvSpPr/>
+          <p:nvPr/>
+        </p:nvSpPr>
+        <p:spPr>
+          <a:xfrm>
+            <a:off x="4211665" y="3948606"/>
+            <a:ext cx="2353042" cy="1066234"/>
+          </a:xfrm>
+          <a:prstGeom prst="ellipse">
+            <a:avLst/>
+          </a:prstGeom>
+          <a:noFill/>
+          <a:ln>
+            <a:solidFill>
+              <a:schemeClr val="tx1"/>
+            </a:solidFill>
+          </a:ln>
+        </p:spPr>
+        <p:style>
+          <a:lnRef idx="1">
+            <a:schemeClr val="accent1"/>
+          </a:lnRef>
+          <a:fillRef idx="3">
+            <a:schemeClr val="accent1"/>
+          </a:fillRef>
+          <a:effectRef idx="2">
+            <a:schemeClr val="accent1"/>
+          </a:effectRef>
+          <a:fontRef idx="minor">
+            <a:schemeClr val="lt1"/>
+          </a:fontRef>
+        </p:style>
+        <p:txBody>
+          <a:bodyPr rtlCol="0" anchor="ctr"/>
+          <a:lstStyle/>
+          <a:p>
+            <a:pPr algn="ctr"/>
+            <a:r>
+              <a:rPr lang="en-US" dirty="0">
+                <a:solidFill>
+                  <a:schemeClr val="tx1"/>
+                </a:solidFill>
+                <a:latin typeface="Times"/>
+                <a:cs typeface="Times"/>
+              </a:rPr>
+              <a:t>Chad’s instrumentation code generator</a:t>
+            </a:r>
+            <a:endParaRPr lang="en-US" dirty="0">
+              <a:solidFill>
+                <a:schemeClr val="tx1"/>
+              </a:solidFill>
+              <a:latin typeface="Times"/>
+              <a:cs typeface="Times"/>
+            </a:endParaRPr>
+          </a:p>
+        </p:txBody>
+      </p:sp>
+      <p:sp>
+        <p:nvSpPr>
+          <p:cNvPr id="132" name="Bent Arrow 131"/>
+          <p:cNvSpPr/>
+          <p:nvPr/>
+        </p:nvSpPr>
+        <p:spPr>
+          <a:xfrm rot="10800000">
+            <a:off x="3229072" y="4425922"/>
+            <a:ext cx="12051475" cy="2387851"/>
+          </a:xfrm>
+          <a:prstGeom prst="bentArrow">
+            <a:avLst>
+              <a:gd name="adj1" fmla="val 27042"/>
+              <a:gd name="adj2" fmla="val 18949"/>
+              <a:gd name="adj3" fmla="val 25000"/>
+              <a:gd name="adj4" fmla="val 88521"/>
+            </a:avLst>
+          </a:prstGeom>
+          <a:noFill/>
+          <a:ln w="6350" cmpd="sng">
+            <a:solidFill>
+              <a:schemeClr val="tx1"/>
+            </a:solidFill>
+          </a:ln>
+        </p:spPr>
+        <p:style>
+          <a:lnRef idx="1">
+            <a:schemeClr val="accent1"/>
+          </a:lnRef>
+          <a:fillRef idx="3">
+            <a:schemeClr val="accent1"/>
+          </a:fillRef>
+          <a:effectRef idx="2">
+            <a:schemeClr val="accent1"/>
+          </a:effectRef>
+          <a:fontRef idx="minor">
+            <a:schemeClr val="lt1"/>
+          </a:fontRef>
+        </p:style>
+        <p:txBody>
+          <a:bodyPr rtlCol="0" anchor="ctr"/>
+          <a:lstStyle/>
+          <a:p>
+            <a:pPr algn="ctr"/>
+            <a:endParaRPr lang="en-US" dirty="0">
+              <a:solidFill>
+                <a:schemeClr val="tx1"/>
+              </a:solidFill>
+            </a:endParaRPr>
+          </a:p>
+        </p:txBody>
+      </p:sp>
+      <p:sp>
+        <p:nvSpPr>
+          <p:cNvPr id="133" name="TextBox 132"/>
+          <p:cNvSpPr txBox="1"/>
+          <p:nvPr/>
+        </p:nvSpPr>
+        <p:spPr>
+          <a:xfrm>
+            <a:off x="6820517" y="6162204"/>
+            <a:ext cx="3778723" cy="369332"/>
+          </a:xfrm>
+          <a:prstGeom prst="rect">
+            <a:avLst/>
+          </a:prstGeom>
+          <a:noFill/>
+        </p:spPr>
+        <p:txBody>
+          <a:bodyPr wrap="square" rtlCol="0">
+            <a:spAutoFit/>
+          </a:bodyPr>
+          <a:lstStyle/>
+          <a:p>
+            <a:r>
+              <a:rPr lang="en-US" dirty="0" smtClean="0"/>
+              <a:t>Advance state of the guest machine</a:t>
+            </a:r>
+            <a:endParaRPr lang="en-US" dirty="0"/>
+          </a:p>
+        </p:txBody>
+      </p:sp>
+      <p:sp>
+        <p:nvSpPr>
+          <p:cNvPr id="139" name="Rectangle 138"/>
+          <p:cNvSpPr/>
+          <p:nvPr/>
+        </p:nvSpPr>
+        <p:spPr>
+          <a:xfrm>
+            <a:off x="14315245" y="2853743"/>
+            <a:ext cx="1662011" cy="1271810"/>
+          </a:xfrm>
+          <a:prstGeom prst="rect">
+            <a:avLst/>
+          </a:prstGeom>
+          <a:noFill/>
+          <a:ln>
+            <a:solidFill>
+              <a:schemeClr val="tx1"/>
+            </a:solidFill>
+          </a:ln>
+        </p:spPr>
+        <p:style>
+          <a:lnRef idx="1">
+            <a:schemeClr val="accent1"/>
+          </a:lnRef>
+          <a:fillRef idx="3">
+            <a:schemeClr val="accent1"/>
+          </a:fillRef>
+          <a:effectRef idx="2">
+            <a:schemeClr val="accent1"/>
+          </a:effectRef>
+          <a:fontRef idx="minor">
+            <a:schemeClr val="lt1"/>
+          </a:fontRef>
+        </p:style>
+        <p:txBody>
+          <a:bodyPr rtlCol="0" anchor="ctr"/>
+          <a:lstStyle/>
+          <a:p>
+            <a:pPr algn="ctr"/>
+            <a:r>
+              <a:rPr lang="en-US" dirty="0" smtClean="0">
+                <a:solidFill>
+                  <a:schemeClr val="tx1"/>
+                </a:solidFill>
+              </a:rPr>
+              <a:t>Host CPU</a:t>
+            </a:r>
+            <a:endParaRPr lang="en-US" dirty="0">
+              <a:solidFill>
+                <a:schemeClr val="tx1"/>
+              </a:solidFill>
+            </a:endParaRPr>
+          </a:p>
+        </p:txBody>
+      </p:sp>
+      <p:cxnSp>
+        <p:nvCxnSpPr>
+          <p:cNvPr id="143" name="Straight Arrow Connector 142"/>
+          <p:cNvCxnSpPr>
+            <a:stCxn id="27" idx="2"/>
+            <a:endCxn id="139" idx="0"/>
+          </p:cNvCxnSpPr>
+          <p:nvPr/>
+        </p:nvCxnSpPr>
+        <p:spPr>
+          <a:xfrm>
+            <a:off x="15099767" y="1671404"/>
+            <a:ext cx="46484" cy="1182339"/>
+          </a:xfrm>
+          <a:prstGeom prst="straightConnector1">
+            <a:avLst/>
+          </a:prstGeom>
+          <a:ln>
+            <a:solidFill>
+              <a:schemeClr val="tx1"/>
+            </a:solidFill>
+            <a:tailEnd type="arrow"/>
+          </a:ln>
+        </p:spPr>
+        <p:style>
+          <a:lnRef idx="2">
+            <a:schemeClr val="accent1"/>
+          </a:lnRef>
+          <a:fillRef idx="0">
+            <a:schemeClr val="accent1"/>
+          </a:fillRef>
+          <a:effectRef idx="1">
+            <a:schemeClr val="accent1"/>
+          </a:effectRef>
+          <a:fontRef idx="minor">
+            <a:schemeClr val="tx1"/>
+          </a:fontRef>
+        </p:style>
+      </p:cxnSp>
+      <p:sp>
+        <p:nvSpPr>
+          <p:cNvPr id="144" name="Bent Arrow 143"/>
+          <p:cNvSpPr/>
+          <p:nvPr/>
+        </p:nvSpPr>
+        <p:spPr>
+          <a:xfrm rot="5400000" flipH="1">
+            <a:off x="15276759" y="1497338"/>
+            <a:ext cx="3304773" cy="1577037"/>
+          </a:xfrm>
+          <a:prstGeom prst="bentArrow">
+            <a:avLst/>
+          </a:prstGeom>
+          <a:noFill/>
+          <a:ln>
+            <a:solidFill>
+              <a:schemeClr val="tx1"/>
+            </a:solidFill>
+          </a:ln>
+        </p:spPr>
+        <p:style>
+          <a:lnRef idx="1">
+            <a:schemeClr val="accent1"/>
+          </a:lnRef>
+          <a:fillRef idx="3">
+            <a:schemeClr val="accent1"/>
+          </a:fillRef>
+          <a:effectRef idx="2">
+            <a:schemeClr val="accent1"/>
+          </a:effectRef>
+          <a:fontRef idx="minor">
+            <a:schemeClr val="lt1"/>
+          </a:fontRef>
+        </p:style>
+        <p:txBody>
+          <a:bodyPr rtlCol="0" anchor="ctr"/>
+          <a:lstStyle/>
+          <a:p>
+            <a:pPr algn="ctr"/>
+            <a:endParaRPr lang="en-US">
+              <a:solidFill>
+                <a:schemeClr val="tx1"/>
+              </a:solidFill>
+            </a:endParaRPr>
+          </a:p>
+        </p:txBody>
+      </p:sp>
+      <p:sp>
+        <p:nvSpPr>
+          <p:cNvPr id="145" name="TextBox 144"/>
+          <p:cNvSpPr txBox="1"/>
+          <p:nvPr/>
+        </p:nvSpPr>
+        <p:spPr>
+          <a:xfrm>
+            <a:off x="16500553" y="2074404"/>
+            <a:ext cx="1505218" cy="646331"/>
+          </a:xfrm>
+          <a:prstGeom prst="rect">
+            <a:avLst/>
+          </a:prstGeom>
+          <a:noFill/>
+        </p:spPr>
+        <p:txBody>
+          <a:bodyPr wrap="square" rtlCol="0">
+            <a:spAutoFit/>
+          </a:bodyPr>
+          <a:lstStyle/>
+          <a:p>
+            <a:pPr algn="ctr"/>
+            <a:r>
+              <a:rPr lang="en-US" dirty="0" smtClean="0"/>
+              <a:t>Makes Callbacks</a:t>
+            </a:r>
+            <a:endParaRPr lang="en-US" dirty="0"/>
           </a:p>
         </p:txBody>
       </p:sp>
